--- a/angularjs/ng-scope.pptx
+++ b/angularjs/ng-scope.pptx
@@ -6046,6 +6046,18 @@
             <a:pPr algn="l"/>
             <a:r>
               <a:rPr lang="zh-CN" altLang="en-US"/>
+              <a:t>编译 </a:t>
+            </a:r>
+            <a:r>
+              <a:rPr lang="en-US" altLang="zh-CN"/>
+              <a:t>$compile</a:t>
+            </a:r>
+            <a:endParaRPr lang="en-US" altLang="zh-CN"/>
+          </a:p>
+          <a:p>
+            <a:pPr algn="l"/>
+            <a:r>
+              <a:rPr lang="zh-CN" altLang="en-US"/>
               <a:t>建立，</a:t>
             </a:r>
             <a:r>
@@ -6849,6 +6861,109 @@
                                           <p:spTgt spid="3">
                                             <p:txEl>
                                               <p:pRg st="6" end="6"/>
+                                            </p:txEl>
+                                          </p:spTgt>
+                                        </p:tgtEl>
+                                        <p:attrNameLst>
+                                          <p:attrName>ppt_y</p:attrName>
+                                        </p:attrNameLst>
+                                      </p:cBhvr>
+                                      <p:tavLst>
+                                        <p:tav tm="0">
+                                          <p:val>
+                                            <p:strVal val="1+#ppt_h/2"/>
+                                          </p:val>
+                                        </p:tav>
+                                        <p:tav tm="100000">
+                                          <p:val>
+                                            <p:strVal val="#ppt_y"/>
+                                          </p:val>
+                                        </p:tav>
+                                      </p:tavLst>
+                                    </p:anim>
+                                  </p:childTnLst>
+                                </p:cTn>
+                              </p:par>
+                            </p:childTnLst>
+                          </p:cTn>
+                        </p:par>
+                      </p:childTnLst>
+                    </p:cTn>
+                  </p:par>
+                  <p:par>
+                    <p:cTn id="45" fill="hold">
+                      <p:stCondLst>
+                        <p:cond delay="indefinite"/>
+                      </p:stCondLst>
+                      <p:childTnLst>
+                        <p:par>
+                          <p:cTn id="46" fill="hold">
+                            <p:stCondLst>
+                              <p:cond delay="0"/>
+                            </p:stCondLst>
+                            <p:childTnLst>
+                              <p:par>
+                                <p:cTn id="47" presetID="2" presetClass="entr" presetSubtype="4" fill="hold" grpId="0" nodeType="clickEffect">
+                                  <p:stCondLst>
+                                    <p:cond delay="0"/>
+                                  </p:stCondLst>
+                                  <p:childTnLst>
+                                    <p:set>
+                                      <p:cBhvr>
+                                        <p:cTn id="48" dur="1" fill="hold">
+                                          <p:stCondLst>
+                                            <p:cond delay="0"/>
+                                          </p:stCondLst>
+                                        </p:cTn>
+                                        <p:tgtEl>
+                                          <p:spTgt spid="3">
+                                            <p:txEl>
+                                              <p:pRg st="7" end="7"/>
+                                            </p:txEl>
+                                          </p:spTgt>
+                                        </p:tgtEl>
+                                        <p:attrNameLst>
+                                          <p:attrName>style.visibility</p:attrName>
+                                        </p:attrNameLst>
+                                      </p:cBhvr>
+                                      <p:to>
+                                        <p:strVal val="visible"/>
+                                      </p:to>
+                                    </p:set>
+                                    <p:anim calcmode="lin" valueType="num">
+                                      <p:cBhvr additive="base">
+                                        <p:cTn id="49" dur="500" fill="hold"/>
+                                        <p:tgtEl>
+                                          <p:spTgt spid="3">
+                                            <p:txEl>
+                                              <p:pRg st="7" end="7"/>
+                                            </p:txEl>
+                                          </p:spTgt>
+                                        </p:tgtEl>
+                                        <p:attrNameLst>
+                                          <p:attrName>ppt_x</p:attrName>
+                                        </p:attrNameLst>
+                                      </p:cBhvr>
+                                      <p:tavLst>
+                                        <p:tav tm="0">
+                                          <p:val>
+                                            <p:strVal val="#ppt_x"/>
+                                          </p:val>
+                                        </p:tav>
+                                        <p:tav tm="100000">
+                                          <p:val>
+                                            <p:strVal val="#ppt_x"/>
+                                          </p:val>
+                                        </p:tav>
+                                      </p:tavLst>
+                                    </p:anim>
+                                    <p:anim calcmode="lin" valueType="num">
+                                      <p:cBhvr additive="base">
+                                        <p:cTn id="50" dur="500" fill="hold"/>
+                                        <p:tgtEl>
+                                          <p:spTgt spid="3">
+                                            <p:txEl>
+                                              <p:pRg st="7" end="7"/>
                                             </p:txEl>
                                           </p:spTgt>
                                         </p:tgtEl>
@@ -7505,11 +7620,7 @@
             </a:r>
             <a:r>
               <a:rPr lang="zh-CN" altLang="en-US"/>
-              <a:t>监听</a:t>
-            </a:r>
-            <a:r>
-              <a:rPr lang="zh-CN" altLang="en-US"/>
-              <a:t>当下作用域注册的事件，接收发送到该作用域的数据</a:t>
+              <a:t>监听当下作用域注册的事件，接收发送到该作用域的数据</a:t>
             </a:r>
             <a:endParaRPr lang="zh-CN" altLang="en-US"/>
           </a:p>
